--- a/Presentation/DDSAnalytics_2.pptx
+++ b/Presentation/DDSAnalytics_2.pptx
@@ -6495,56 +6495,52 @@
           </a:p>
           <a:p>
             <a:pPr marL="800100" lvl="1" indent="-342900">
-              <a:buFont typeface="Wingdings" panose="05000000000000000000" pitchFamily="2" charset="2"/>
-              <a:buChar char="Ø"/>
+              <a:buFont typeface="Arial" panose="020B0604020202020204" pitchFamily="34" charset="0"/>
+              <a:buChar char="•"/>
             </a:pPr>
             <a:r>
-              <a:rPr lang="en-US" sz="2000" i="1" dirty="0"/>
-              <a:t>	</a:t>
-            </a:r>
-            <a:r>
               <a:rPr lang="en-US" sz="2000" dirty="0"/>
-              <a:t>𝐸𝑛𝑣𝑖𝑟𝑜𝑛𝑒𝑚𝑛𝑡 𝑆𝑎𝑡𝑖𝑠𝑓𝑎𝑐𝑡𝑖𝑜𝑛</a:t>
+              <a:t>	Environmental Satisfaction</a:t>
             </a:r>
           </a:p>
           <a:p>
             <a:pPr marL="800100" lvl="1" indent="-342900">
-              <a:buFont typeface="Wingdings" panose="05000000000000000000" pitchFamily="2" charset="2"/>
-              <a:buChar char="Ø"/>
+              <a:buFont typeface="Arial" panose="020B0604020202020204" pitchFamily="34" charset="0"/>
+              <a:buChar char="•"/>
             </a:pPr>
             <a:r>
               <a:rPr lang="en-US" sz="2000" dirty="0"/>
-              <a:t>	𝐽𝑜𝑏 𝑆𝑎𝑡𝑖𝑠𝑓𝑎𝑐𝑡𝑖𝑜𝑛 </a:t>
+              <a:t>	Job Satisfaction</a:t>
             </a:r>
           </a:p>
           <a:p>
             <a:pPr marL="800100" lvl="1" indent="-342900">
-              <a:buFont typeface="Wingdings" panose="05000000000000000000" pitchFamily="2" charset="2"/>
-              <a:buChar char="Ø"/>
+              <a:buFont typeface="Arial" panose="020B0604020202020204" pitchFamily="34" charset="0"/>
+              <a:buChar char="•"/>
             </a:pPr>
             <a:r>
               <a:rPr lang="en-US" sz="2000" dirty="0"/>
-              <a:t>	Relationship 𝑆𝑎𝑡𝑖𝑠faction </a:t>
+              <a:t>	Relationship Satisfaction</a:t>
             </a:r>
           </a:p>
           <a:p>
             <a:pPr marL="800100" lvl="1" indent="-342900">
-              <a:buFont typeface="Wingdings" panose="05000000000000000000" pitchFamily="2" charset="2"/>
-              <a:buChar char="Ø"/>
+              <a:buFont typeface="Arial" panose="020B0604020202020204" pitchFamily="34" charset="0"/>
+              <a:buChar char="•"/>
             </a:pPr>
             <a:r>
               <a:rPr lang="en-US" sz="2000" dirty="0"/>
-              <a:t>	Work life 𝐵𝑎𝑙𝑎𝑛𝑐𝑒</a:t>
+              <a:t>	Work life Balance</a:t>
             </a:r>
           </a:p>
           <a:p>
             <a:pPr marL="800100" lvl="1" indent="-342900">
-              <a:buFont typeface="Wingdings" panose="05000000000000000000" pitchFamily="2" charset="2"/>
-              <a:buChar char="Ø"/>
+              <a:buFont typeface="Arial" panose="020B0604020202020204" pitchFamily="34" charset="0"/>
+              <a:buChar char="•"/>
             </a:pPr>
             <a:r>
               <a:rPr lang="en-US" sz="2000" dirty="0"/>
-              <a:t>	𝐽𝑜𝑏 Involvement</a:t>
+              <a:t>	Job Involvement</a:t>
             </a:r>
           </a:p>
           <a:p>

--- a/Presentation/DDSAnalytics_2.pptx
+++ b/Presentation/DDSAnalytics_2.pptx
@@ -16960,7 +16960,19 @@
               <a:rPr lang="en-US" dirty="0">
                 <a:latin typeface="+mj-lt"/>
               </a:rPr>
-              <a:t>𝐿𝑖𝑓𝑒 𝑆𝑎𝑡𝑖𝑠𝑓𝑎𝑐𝑡𝑖𝑜𝑛 𝑖𝑠 𝑎𝑣𝑒𝑟𝑎𝑔𝑒 𝑜𝑓 𝐸𝑛𝑣𝑖𝑟𝑜𝑛𝑒𝑚𝑛𝑡 𝑆𝑎𝑡𝑖𝑠𝑓𝑎𝑐𝑡𝑖𝑜𝑛,𝐽𝑜𝑏 𝑆𝑎𝑡𝑖𝑠𝑓𝑎𝑐𝑡𝑖𝑜𝑛, Relationship 𝑆𝑎𝑡𝑖𝑠faction, Work life 𝐵𝑎𝑙𝑎𝑛𝑐𝑒,𝐽𝑜𝑏 𝐼𝑛𝑣𝑜𝑙𝑣𝑒𝑚𝑡)</a:t>
+              <a:t>Life Satisfaction is average of Environmental Satisfaction, Job Satisfaction, Relationship Satisfaction, Work Life Balance and Job </a:t>
+            </a:r>
+            <a:r>
+              <a:rPr lang="en-US" dirty="0" err="1">
+                <a:latin typeface="+mj-lt"/>
+              </a:rPr>
+              <a:t>Involvment</a:t>
+            </a:r>
+            <a:r>
+              <a:rPr lang="en-US" dirty="0">
+                <a:latin typeface="+mj-lt"/>
+              </a:rPr>
+              <a:t>.</a:t>
             </a:r>
           </a:p>
         </p:txBody>

--- a/Presentation/DDSAnalytics_2.pptx
+++ b/Presentation/DDSAnalytics_2.pptx
@@ -15,8 +15,7 @@
     <p:sldId id="270" r:id="rId9"/>
     <p:sldId id="271" r:id="rId10"/>
     <p:sldId id="273" r:id="rId11"/>
-    <p:sldId id="274" r:id="rId12"/>
-    <p:sldId id="261" r:id="rId13"/>
+    <p:sldId id="261" r:id="rId12"/>
   </p:sldIdLst>
   <p:sldSz cx="12192000" cy="6858000"/>
   <p:notesSz cx="6858000" cy="9144000"/>
@@ -6253,8 +6252,8 @@
         </p:nvSpPr>
         <p:spPr>
           <a:xfrm>
-            <a:off x="761847" y="1259175"/>
-            <a:ext cx="7457120" cy="4462760"/>
+            <a:off x="761847" y="1336118"/>
+            <a:ext cx="4044069" cy="2246769"/>
           </a:xfrm>
           <a:prstGeom prst="rect">
             <a:avLst/>
@@ -6268,7 +6267,7 @@
           <a:lstStyle/>
           <a:p>
             <a:r>
-              <a:rPr lang="en-US" sz="2400" dirty="0"/>
+              <a:rPr lang="en-US" dirty="0"/>
               <a:t>Key impact factors on attrition:</a:t>
             </a:r>
           </a:p>
@@ -6278,7 +6277,7 @@
               <a:buChar char="•"/>
             </a:pPr>
             <a:r>
-              <a:rPr lang="en-US" sz="2000" dirty="0"/>
+              <a:rPr lang="en-US" sz="1600" dirty="0"/>
               <a:t>Overtime</a:t>
             </a:r>
           </a:p>
@@ -6288,7 +6287,7 @@
               <a:buChar char="•"/>
             </a:pPr>
             <a:r>
-              <a:rPr lang="en-US" sz="2000" dirty="0"/>
+              <a:rPr lang="en-US" sz="1600" dirty="0"/>
               <a:t>Life Satisfaction</a:t>
             </a:r>
           </a:p>
@@ -6298,7 +6297,7 @@
               <a:buChar char="•"/>
             </a:pPr>
             <a:r>
-              <a:rPr lang="en-US" sz="2000" dirty="0"/>
+              <a:rPr lang="en-US" sz="1600" dirty="0"/>
               <a:t>Business Travel Frequently</a:t>
             </a:r>
           </a:p>
@@ -6308,7 +6307,7 @@
               <a:buChar char="•"/>
             </a:pPr>
             <a:r>
-              <a:rPr lang="en-US" sz="2000" dirty="0"/>
+              <a:rPr lang="en-US" sz="1600" dirty="0"/>
               <a:t>Distance From Home</a:t>
             </a:r>
           </a:p>
@@ -6317,11 +6316,46 @@
               <a:buFont typeface="Arial" panose="020B0604020202020204" pitchFamily="34" charset="0"/>
               <a:buChar char="•"/>
             </a:pPr>
-            <a:endParaRPr lang="en-US" sz="2000" dirty="0"/>
-          </a:p>
-          <a:p>
-            <a:r>
-              <a:rPr lang="en-US" sz="2400" dirty="0"/>
+            <a:endParaRPr lang="en-US" dirty="0"/>
+          </a:p>
+          <a:p>
+            <a:endParaRPr lang="en-US" dirty="0"/>
+          </a:p>
+          <a:p>
+            <a:endParaRPr lang="en-US" dirty="0"/>
+          </a:p>
+        </p:txBody>
+      </p:sp>
+      <p:sp>
+        <p:nvSpPr>
+          <p:cNvPr id="5" name="TextBox 4">
+            <a:extLst>
+              <a:ext uri="{FF2B5EF4-FFF2-40B4-BE49-F238E27FC236}">
+                <a16:creationId xmlns:a16="http://schemas.microsoft.com/office/drawing/2014/main" id="{36B562C2-2251-4DCA-9DB2-DF1318CFE7CF}"/>
+              </a:ext>
+            </a:extLst>
+          </p:cNvPr>
+          <p:cNvSpPr txBox="1"/>
+          <p:nvPr/>
+        </p:nvSpPr>
+        <p:spPr>
+          <a:xfrm>
+            <a:off x="4805916" y="1336118"/>
+            <a:ext cx="4044069" cy="2154436"/>
+          </a:xfrm>
+          <a:prstGeom prst="rect">
+            <a:avLst/>
+          </a:prstGeom>
+          <a:noFill/>
+        </p:spPr>
+        <p:txBody>
+          <a:bodyPr wrap="square" rtlCol="0">
+            <a:spAutoFit/>
+          </a:bodyPr>
+          <a:lstStyle/>
+          <a:p>
+            <a:r>
+              <a:rPr lang="en-US" dirty="0"/>
               <a:t>Key Job Roles on Attrition:</a:t>
             </a:r>
           </a:p>
@@ -6331,7 +6365,7 @@
               <a:buChar char="•"/>
             </a:pPr>
             <a:r>
-              <a:rPr lang="en-US" sz="2000" dirty="0"/>
+              <a:rPr lang="en-US" sz="1600" dirty="0"/>
               <a:t>Sales Representative</a:t>
             </a:r>
           </a:p>
@@ -6341,7 +6375,7 @@
               <a:buChar char="•"/>
             </a:pPr>
             <a:r>
-              <a:rPr lang="en-US" sz="2000" dirty="0"/>
+              <a:rPr lang="en-US" sz="1600" dirty="0"/>
               <a:t>Laboratory Technician </a:t>
             </a:r>
           </a:p>
@@ -6351,7 +6385,7 @@
               <a:buChar char="•"/>
             </a:pPr>
             <a:r>
-              <a:rPr lang="en-US" sz="2000" dirty="0"/>
+              <a:rPr lang="en-US" sz="1600" dirty="0"/>
               <a:t>Human Resources</a:t>
             </a:r>
           </a:p>
@@ -6361,7 +6395,7 @@
               <a:buChar char="•"/>
             </a:pPr>
             <a:r>
-              <a:rPr lang="en-US" sz="2000" dirty="0"/>
+              <a:rPr lang="en-US" sz="1600" dirty="0"/>
               <a:t>Sales Executive</a:t>
             </a:r>
           </a:p>
@@ -6371,15 +6405,203 @@
               <a:buChar char="•"/>
             </a:pPr>
             <a:r>
+              <a:rPr lang="en-US" sz="1600" dirty="0"/>
+              <a:t>Research Scientist</a:t>
+            </a:r>
+          </a:p>
+          <a:p>
+            <a:endParaRPr lang="en-US" dirty="0"/>
+          </a:p>
+          <a:p>
+            <a:endParaRPr lang="en-US" dirty="0"/>
+          </a:p>
+        </p:txBody>
+      </p:sp>
+      <p:sp>
+        <p:nvSpPr>
+          <p:cNvPr id="2" name="Rectangle 1">
+            <a:extLst>
+              <a:ext uri="{FF2B5EF4-FFF2-40B4-BE49-F238E27FC236}">
+                <a16:creationId xmlns:a16="http://schemas.microsoft.com/office/drawing/2014/main" id="{031C7C90-CEDA-4D92-BD43-363AB7AF0F5A}"/>
+              </a:ext>
+            </a:extLst>
+          </p:cNvPr>
+          <p:cNvSpPr/>
+          <p:nvPr/>
+        </p:nvSpPr>
+        <p:spPr>
+          <a:xfrm>
+            <a:off x="761847" y="3919104"/>
+            <a:ext cx="10678786" cy="2554545"/>
+          </a:xfrm>
+          <a:prstGeom prst="rect">
+            <a:avLst/>
+          </a:prstGeom>
+        </p:spPr>
+        <p:txBody>
+          <a:bodyPr wrap="square">
+            <a:spAutoFit/>
+          </a:bodyPr>
+          <a:lstStyle/>
+          <a:p>
+            <a:pPr marL="285750" indent="-285750">
+              <a:buFont typeface="Arial" panose="020B0604020202020204" pitchFamily="34" charset="0"/>
+              <a:buChar char="•"/>
+            </a:pPr>
+            <a:r>
+              <a:rPr lang="en-US" sz="1600" dirty="0"/>
+              <a:t>Reduce overtime by increasing workforces in key job roles</a:t>
+            </a:r>
+          </a:p>
+          <a:p>
+            <a:pPr marL="285750" indent="-285750">
+              <a:buFont typeface="Arial" panose="020B0604020202020204" pitchFamily="34" charset="0"/>
+              <a:buChar char="•"/>
+            </a:pPr>
+            <a:r>
+              <a:rPr lang="en-US" sz="1600" dirty="0"/>
+              <a:t>Increase life satisfaction in 5 ways:</a:t>
+            </a:r>
+          </a:p>
+          <a:p>
+            <a:pPr marL="800100" lvl="1" indent="-342900">
+              <a:buFont typeface="Arial" panose="020B0604020202020204" pitchFamily="34" charset="0"/>
+              <a:buChar char="•"/>
+            </a:pPr>
+            <a:r>
+              <a:rPr lang="en-US" sz="1600" dirty="0"/>
+              <a:t>	Environmental Satisfaction</a:t>
+            </a:r>
+          </a:p>
+          <a:p>
+            <a:pPr marL="800100" lvl="1" indent="-342900">
+              <a:buFont typeface="Arial" panose="020B0604020202020204" pitchFamily="34" charset="0"/>
+              <a:buChar char="•"/>
+            </a:pPr>
+            <a:r>
+              <a:rPr lang="en-US" sz="1600" dirty="0"/>
+              <a:t>	Job Satisfaction</a:t>
+            </a:r>
+          </a:p>
+          <a:p>
+            <a:pPr marL="800100" lvl="1" indent="-342900">
+              <a:buFont typeface="Arial" panose="020B0604020202020204" pitchFamily="34" charset="0"/>
+              <a:buChar char="•"/>
+            </a:pPr>
+            <a:r>
+              <a:rPr lang="en-US" sz="1600" dirty="0"/>
+              <a:t>	Relationship Satisfaction</a:t>
+            </a:r>
+          </a:p>
+          <a:p>
+            <a:pPr marL="800100" lvl="1" indent="-342900">
+              <a:buFont typeface="Arial" panose="020B0604020202020204" pitchFamily="34" charset="0"/>
+              <a:buChar char="•"/>
+            </a:pPr>
+            <a:r>
+              <a:rPr lang="en-US" sz="1600" dirty="0"/>
+              <a:t>	Work life Balance</a:t>
+            </a:r>
+          </a:p>
+          <a:p>
+            <a:pPr marL="800100" lvl="1" indent="-342900">
+              <a:buFont typeface="Arial" panose="020B0604020202020204" pitchFamily="34" charset="0"/>
+              <a:buChar char="•"/>
+            </a:pPr>
+            <a:r>
+              <a:rPr lang="en-US" sz="1600" dirty="0"/>
+              <a:t>	Job Involvement</a:t>
+            </a:r>
+          </a:p>
+          <a:p>
+            <a:pPr marL="285750" indent="-285750">
+              <a:buFont typeface="Arial" panose="020B0604020202020204" pitchFamily="34" charset="0"/>
+              <a:buChar char="•"/>
+            </a:pPr>
+            <a:r>
+              <a:rPr lang="en-US" sz="1600" dirty="0"/>
+              <a:t>Reduce Business travel frequency by increasing workforce or utilizing telecommunication equipment and tools</a:t>
+            </a:r>
+          </a:p>
+          <a:p>
+            <a:pPr marL="285750" indent="-285750">
+              <a:buFont typeface="Arial" panose="020B0604020202020204" pitchFamily="34" charset="0"/>
+              <a:buChar char="•"/>
+            </a:pPr>
+            <a:r>
+              <a:rPr lang="en-US" sz="1600" dirty="0"/>
+              <a:t>Providing company transportation service such as shuttle bus and WFH allowances </a:t>
+            </a:r>
+          </a:p>
+        </p:txBody>
+      </p:sp>
+      <p:sp>
+        <p:nvSpPr>
+          <p:cNvPr id="6" name="TextBox 5">
+            <a:extLst>
+              <a:ext uri="{FF2B5EF4-FFF2-40B4-BE49-F238E27FC236}">
+                <a16:creationId xmlns:a16="http://schemas.microsoft.com/office/drawing/2014/main" id="{204EA4DC-CE08-4D54-9908-9497066B4377}"/>
+              </a:ext>
+            </a:extLst>
+          </p:cNvPr>
+          <p:cNvSpPr txBox="1"/>
+          <p:nvPr/>
+        </p:nvSpPr>
+        <p:spPr>
+          <a:xfrm>
+            <a:off x="389860" y="3447061"/>
+            <a:ext cx="2630848" cy="400110"/>
+          </a:xfrm>
+          <a:prstGeom prst="rect">
+            <a:avLst/>
+          </a:prstGeom>
+          <a:noFill/>
+        </p:spPr>
+        <p:txBody>
+          <a:bodyPr wrap="none" rtlCol="0">
+            <a:spAutoFit/>
+          </a:bodyPr>
+          <a:lstStyle/>
+          <a:p>
+            <a:r>
               <a:rPr lang="en-US" sz="2000" dirty="0"/>
-              <a:t>Research Scientist</a:t>
-            </a:r>
-          </a:p>
-          <a:p>
-            <a:endParaRPr lang="en-US" dirty="0"/>
-          </a:p>
-          <a:p>
-            <a:endParaRPr lang="en-US" dirty="0"/>
+              <a:t>Recommendations:</a:t>
+            </a:r>
+          </a:p>
+        </p:txBody>
+      </p:sp>
+      <p:sp>
+        <p:nvSpPr>
+          <p:cNvPr id="7" name="TextBox 6">
+            <a:extLst>
+              <a:ext uri="{FF2B5EF4-FFF2-40B4-BE49-F238E27FC236}">
+                <a16:creationId xmlns:a16="http://schemas.microsoft.com/office/drawing/2014/main" id="{7C4E9E3F-C7C5-443F-B05D-2BB571290DB4}"/>
+              </a:ext>
+            </a:extLst>
+          </p:cNvPr>
+          <p:cNvSpPr txBox="1"/>
+          <p:nvPr/>
+        </p:nvSpPr>
+        <p:spPr>
+          <a:xfrm>
+            <a:off x="389860" y="887941"/>
+            <a:ext cx="5120312" cy="400110"/>
+          </a:xfrm>
+          <a:prstGeom prst="rect">
+            <a:avLst/>
+          </a:prstGeom>
+          <a:noFill/>
+        </p:spPr>
+        <p:txBody>
+          <a:bodyPr wrap="none" rtlCol="0">
+            <a:spAutoFit/>
+          </a:bodyPr>
+          <a:lstStyle/>
+          <a:p>
+            <a:r>
+              <a:rPr lang="en-US" sz="2000" dirty="0"/>
+              <a:t>Overview of features impacting attrition</a:t>
+            </a:r>
           </a:p>
         </p:txBody>
       </p:sp>
@@ -6397,188 +6619,6 @@
 </file>
 
 <file path=ppt/slides/slide11.xml><?xml version="1.0" encoding="utf-8"?>
-<p:sld xmlns:a="http://schemas.openxmlformats.org/drawingml/2006/main" xmlns:r="http://schemas.openxmlformats.org/officeDocument/2006/relationships" xmlns:p="http://schemas.openxmlformats.org/presentationml/2006/main">
-  <p:cSld>
-    <p:spTree>
-      <p:nvGrpSpPr>
-        <p:cNvPr id="1" name=""/>
-        <p:cNvGrpSpPr/>
-        <p:nvPr/>
-      </p:nvGrpSpPr>
-      <p:grpSpPr>
-        <a:xfrm>
-          <a:off x="0" y="0"/>
-          <a:ext cx="0" cy="0"/>
-          <a:chOff x="0" y="0"/>
-          <a:chExt cx="0" cy="0"/>
-        </a:xfrm>
-      </p:grpSpPr>
-      <p:sp>
-        <p:nvSpPr>
-          <p:cNvPr id="4" name="Title 3">
-            <a:extLst>
-              <a:ext uri="{FF2B5EF4-FFF2-40B4-BE49-F238E27FC236}">
-                <a16:creationId xmlns:a16="http://schemas.microsoft.com/office/drawing/2014/main" id="{A5DE6487-9974-4552-8EBC-DB3C24407419}"/>
-              </a:ext>
-            </a:extLst>
-          </p:cNvPr>
-          <p:cNvSpPr>
-            <a:spLocks noGrp="1"/>
-          </p:cNvSpPr>
-          <p:nvPr>
-            <p:ph type="title"/>
-          </p:nvPr>
-        </p:nvSpPr>
-        <p:spPr>
-          <a:xfrm>
-            <a:off x="761847" y="100928"/>
-            <a:ext cx="9905998" cy="861284"/>
-          </a:xfrm>
-        </p:spPr>
-        <p:txBody>
-          <a:bodyPr/>
-          <a:lstStyle/>
-          <a:p>
-            <a:r>
-              <a:rPr lang="en-US" dirty="0"/>
-              <a:t>Recommendations</a:t>
-            </a:r>
-          </a:p>
-        </p:txBody>
-      </p:sp>
-      <p:sp>
-        <p:nvSpPr>
-          <p:cNvPr id="6" name="TextBox 5">
-            <a:extLst>
-              <a:ext uri="{FF2B5EF4-FFF2-40B4-BE49-F238E27FC236}">
-                <a16:creationId xmlns:a16="http://schemas.microsoft.com/office/drawing/2014/main" id="{0353FAB7-F52B-4827-A2AB-E639E17182B3}"/>
-              </a:ext>
-            </a:extLst>
-          </p:cNvPr>
-          <p:cNvSpPr txBox="1"/>
-          <p:nvPr/>
-        </p:nvSpPr>
-        <p:spPr>
-          <a:xfrm>
-            <a:off x="758952" y="1261872"/>
-            <a:ext cx="9747657" cy="3477875"/>
-          </a:xfrm>
-          <a:prstGeom prst="rect">
-            <a:avLst/>
-          </a:prstGeom>
-          <a:noFill/>
-        </p:spPr>
-        <p:txBody>
-          <a:bodyPr wrap="square" rtlCol="0">
-            <a:spAutoFit/>
-          </a:bodyPr>
-          <a:lstStyle/>
-          <a:p>
-            <a:pPr marL="285750" indent="-285750">
-              <a:buFont typeface="Arial" panose="020B0604020202020204" pitchFamily="34" charset="0"/>
-              <a:buChar char="•"/>
-            </a:pPr>
-            <a:r>
-              <a:rPr lang="en-US" sz="2000" dirty="0"/>
-              <a:t>Reduce overtime by increasing workforces in key job roles</a:t>
-            </a:r>
-          </a:p>
-          <a:p>
-            <a:pPr marL="285750" indent="-285750">
-              <a:buFont typeface="Arial" panose="020B0604020202020204" pitchFamily="34" charset="0"/>
-              <a:buChar char="•"/>
-            </a:pPr>
-            <a:r>
-              <a:rPr lang="en-US" sz="2000" dirty="0"/>
-              <a:t>Increase life satisfaction in 5 ways:</a:t>
-            </a:r>
-          </a:p>
-          <a:p>
-            <a:pPr marL="800100" lvl="1" indent="-342900">
-              <a:buFont typeface="Arial" panose="020B0604020202020204" pitchFamily="34" charset="0"/>
-              <a:buChar char="•"/>
-            </a:pPr>
-            <a:r>
-              <a:rPr lang="en-US" sz="2000" dirty="0"/>
-              <a:t>	Environmental Satisfaction</a:t>
-            </a:r>
-          </a:p>
-          <a:p>
-            <a:pPr marL="800100" lvl="1" indent="-342900">
-              <a:buFont typeface="Arial" panose="020B0604020202020204" pitchFamily="34" charset="0"/>
-              <a:buChar char="•"/>
-            </a:pPr>
-            <a:r>
-              <a:rPr lang="en-US" sz="2000" dirty="0"/>
-              <a:t>	Job Satisfaction</a:t>
-            </a:r>
-          </a:p>
-          <a:p>
-            <a:pPr marL="800100" lvl="1" indent="-342900">
-              <a:buFont typeface="Arial" panose="020B0604020202020204" pitchFamily="34" charset="0"/>
-              <a:buChar char="•"/>
-            </a:pPr>
-            <a:r>
-              <a:rPr lang="en-US" sz="2000" dirty="0"/>
-              <a:t>	Relationship Satisfaction</a:t>
-            </a:r>
-          </a:p>
-          <a:p>
-            <a:pPr marL="800100" lvl="1" indent="-342900">
-              <a:buFont typeface="Arial" panose="020B0604020202020204" pitchFamily="34" charset="0"/>
-              <a:buChar char="•"/>
-            </a:pPr>
-            <a:r>
-              <a:rPr lang="en-US" sz="2000" dirty="0"/>
-              <a:t>	Work life Balance</a:t>
-            </a:r>
-          </a:p>
-          <a:p>
-            <a:pPr marL="800100" lvl="1" indent="-342900">
-              <a:buFont typeface="Arial" panose="020B0604020202020204" pitchFamily="34" charset="0"/>
-              <a:buChar char="•"/>
-            </a:pPr>
-            <a:r>
-              <a:rPr lang="en-US" sz="2000" dirty="0"/>
-              <a:t>	Job Involvement</a:t>
-            </a:r>
-          </a:p>
-          <a:p>
-            <a:pPr marL="285750" indent="-285750">
-              <a:buFont typeface="Arial" panose="020B0604020202020204" pitchFamily="34" charset="0"/>
-              <a:buChar char="•"/>
-            </a:pPr>
-            <a:r>
-              <a:rPr lang="en-US" sz="2000" dirty="0"/>
-              <a:t>Reduce Business travel frequency by increasing workforce or utilizing telecommunication equipment and tools</a:t>
-            </a:r>
-          </a:p>
-          <a:p>
-            <a:pPr marL="285750" indent="-285750">
-              <a:buFont typeface="Arial" panose="020B0604020202020204" pitchFamily="34" charset="0"/>
-              <a:buChar char="•"/>
-            </a:pPr>
-            <a:r>
-              <a:rPr lang="en-US" sz="2000" dirty="0"/>
-              <a:t>Providing company transportation service such as shuttle bus and WFH allowances </a:t>
-            </a:r>
-          </a:p>
-        </p:txBody>
-      </p:sp>
-    </p:spTree>
-    <p:extLst>
-      <p:ext uri="{BB962C8B-B14F-4D97-AF65-F5344CB8AC3E}">
-        <p14:creationId xmlns:p14="http://schemas.microsoft.com/office/powerpoint/2010/main" val="1769191687"/>
-      </p:ext>
-    </p:extLst>
-  </p:cSld>
-  <p:clrMapOvr>
-    <a:masterClrMapping/>
-  </p:clrMapOvr>
-</p:sld>
-</file>
-
-<file path=ppt/slides/slide12.xml><?xml version="1.0" encoding="utf-8"?>
 <p:sld xmlns:a="http://schemas.openxmlformats.org/drawingml/2006/main" xmlns:r="http://schemas.openxmlformats.org/officeDocument/2006/relationships" xmlns:p="http://schemas.openxmlformats.org/presentationml/2006/main">
   <p:cSld>
     <p:spTree>
